--- a/Cases/JS-Real-Time-Market-Data-Forecasting/Doc/Images.pptx
+++ b/Cases/JS-Real-Time-Market-Data-Forecasting/Doc/Images.pptx
@@ -3923,6 +3923,182 @@
           </a:p>
         </p:txBody>
       </p:sp>
+      <p:sp>
+        <p:nvSpPr>
+          <p:cNvPr id="25" name="Rectangle 24">
+            <a:extLst>
+              <a:ext uri="{FF2B5EF4-FFF2-40B4-BE49-F238E27FC236}">
+                <a16:creationId xmlns:a16="http://schemas.microsoft.com/office/drawing/2014/main" id="{AF091FED-1E1A-2145-B6C1-2E0AD7D3C4D3}"/>
+              </a:ext>
+            </a:extLst>
+          </p:cNvPr>
+          <p:cNvSpPr/>
+          <p:nvPr/>
+        </p:nvSpPr>
+        <p:spPr>
+          <a:xfrm>
+            <a:off x="8823767" y="2744207"/>
+            <a:ext cx="914400" cy="914400"/>
+          </a:xfrm>
+          <a:prstGeom prst="rect">
+            <a:avLst/>
+          </a:prstGeom>
+        </p:spPr>
+        <p:style>
+          <a:lnRef idx="2">
+            <a:schemeClr val="accent1">
+              <a:shade val="50000"/>
+            </a:schemeClr>
+          </a:lnRef>
+          <a:fillRef idx="1">
+            <a:schemeClr val="accent1"/>
+          </a:fillRef>
+          <a:effectRef idx="0">
+            <a:schemeClr val="accent1"/>
+          </a:effectRef>
+          <a:fontRef idx="minor">
+            <a:schemeClr val="lt1"/>
+          </a:fontRef>
+        </p:style>
+        <p:txBody>
+          <a:bodyPr rtlCol="0" anchor="ctr"/>
+          <a:lstStyle/>
+          <a:p>
+            <a:pPr algn="ctr"/>
+            <a:endParaRPr lang="en-CN"/>
+          </a:p>
+        </p:txBody>
+      </p:sp>
+      <p:sp>
+        <p:nvSpPr>
+          <p:cNvPr id="26" name="Rectangle 25">
+            <a:extLst>
+              <a:ext uri="{FF2B5EF4-FFF2-40B4-BE49-F238E27FC236}">
+                <a16:creationId xmlns:a16="http://schemas.microsoft.com/office/drawing/2014/main" id="{2ADDDC8B-0164-2F43-BF12-02F5113E02E8}"/>
+              </a:ext>
+            </a:extLst>
+          </p:cNvPr>
+          <p:cNvSpPr/>
+          <p:nvPr/>
+        </p:nvSpPr>
+        <p:spPr>
+          <a:xfrm>
+            <a:off x="7305024" y="3120251"/>
+            <a:ext cx="914400" cy="162311"/>
+          </a:xfrm>
+          <a:prstGeom prst="rect">
+            <a:avLst/>
+          </a:prstGeom>
+        </p:spPr>
+        <p:style>
+          <a:lnRef idx="2">
+            <a:schemeClr val="accent1">
+              <a:shade val="50000"/>
+            </a:schemeClr>
+          </a:lnRef>
+          <a:fillRef idx="1">
+            <a:schemeClr val="accent1"/>
+          </a:fillRef>
+          <a:effectRef idx="0">
+            <a:schemeClr val="accent1"/>
+          </a:effectRef>
+          <a:fontRef idx="minor">
+            <a:schemeClr val="lt1"/>
+          </a:fontRef>
+        </p:style>
+        <p:txBody>
+          <a:bodyPr rtlCol="0" anchor="ctr"/>
+          <a:lstStyle/>
+          <a:p>
+            <a:pPr algn="ctr"/>
+            <a:endParaRPr lang="en-CN"/>
+          </a:p>
+        </p:txBody>
+      </p:sp>
+      <p:cxnSp>
+        <p:nvCxnSpPr>
+          <p:cNvPr id="27" name="Straight Arrow Connector 26">
+            <a:extLst>
+              <a:ext uri="{FF2B5EF4-FFF2-40B4-BE49-F238E27FC236}">
+                <a16:creationId xmlns:a16="http://schemas.microsoft.com/office/drawing/2014/main" id="{FFD01D39-A0C1-B641-9FC1-56BECA175E99}"/>
+              </a:ext>
+            </a:extLst>
+          </p:cNvPr>
+          <p:cNvCxnSpPr>
+            <a:cxnSpLocks/>
+            <a:stCxn id="26" idx="1"/>
+          </p:cNvCxnSpPr>
+          <p:nvPr/>
+        </p:nvCxnSpPr>
+        <p:spPr>
+          <a:xfrm flipH="1" flipV="1">
+            <a:off x="5538619" y="2930057"/>
+            <a:ext cx="1766405" cy="271350"/>
+          </a:xfrm>
+          <a:prstGeom prst="straightConnector1">
+            <a:avLst/>
+          </a:prstGeom>
+          <a:ln>
+            <a:tailEnd type="triangle"/>
+          </a:ln>
+        </p:spPr>
+        <p:style>
+          <a:lnRef idx="1">
+            <a:schemeClr val="accent1"/>
+          </a:lnRef>
+          <a:fillRef idx="0">
+            <a:schemeClr val="accent1"/>
+          </a:fillRef>
+          <a:effectRef idx="0">
+            <a:schemeClr val="accent1"/>
+          </a:effectRef>
+          <a:fontRef idx="minor">
+            <a:schemeClr val="tx1"/>
+          </a:fontRef>
+        </p:style>
+      </p:cxnSp>
+      <p:cxnSp>
+        <p:nvCxnSpPr>
+          <p:cNvPr id="31" name="Straight Arrow Connector 30">
+            <a:extLst>
+              <a:ext uri="{FF2B5EF4-FFF2-40B4-BE49-F238E27FC236}">
+                <a16:creationId xmlns:a16="http://schemas.microsoft.com/office/drawing/2014/main" id="{E34ADB29-0CD4-0142-ACA9-9BE5C2F23CEC}"/>
+              </a:ext>
+            </a:extLst>
+          </p:cNvPr>
+          <p:cNvCxnSpPr>
+            <a:cxnSpLocks/>
+            <a:stCxn id="26" idx="1"/>
+          </p:cNvCxnSpPr>
+          <p:nvPr/>
+        </p:nvCxnSpPr>
+        <p:spPr>
+          <a:xfrm flipH="1">
+            <a:off x="5538619" y="3201407"/>
+            <a:ext cx="1766405" cy="271349"/>
+          </a:xfrm>
+          <a:prstGeom prst="straightConnector1">
+            <a:avLst/>
+          </a:prstGeom>
+          <a:ln>
+            <a:tailEnd type="triangle"/>
+          </a:ln>
+        </p:spPr>
+        <p:style>
+          <a:lnRef idx="1">
+            <a:schemeClr val="accent1"/>
+          </a:lnRef>
+          <a:fillRef idx="0">
+            <a:schemeClr val="accent1"/>
+          </a:fillRef>
+          <a:effectRef idx="0">
+            <a:schemeClr val="accent1"/>
+          </a:effectRef>
+          <a:fontRef idx="minor">
+            <a:schemeClr val="tx1"/>
+          </a:fontRef>
+        </p:style>
+      </p:cxnSp>
     </p:spTree>
     <p:extLst>
       <p:ext uri="{BB962C8B-B14F-4D97-AF65-F5344CB8AC3E}">
